--- a/domaindrivendesign/domainDrivenDesign3.pptx
+++ b/domaindrivendesign/domainDrivenDesign3.pptx
@@ -104,6 +104,11 @@
       </a:defRPr>
     </a:lvl9pPr>
   </p:defaultTextStyle>
+  <p:extLst>
+    <p:ext uri="{EFAFB233-063F-42B5-8137-9DF3F51BA10A}">
+      <p15:sldGuideLst xmlns:p15="http://schemas.microsoft.com/office/powerpoint/2012/main"/>
+    </p:ext>
+  </p:extLst>
 </p:presentation>
 </file>
 
@@ -238,7 +243,7 @@
           <a:p>
             <a:fld id="{CFB68537-6594-4A7A-B668-45554B77BAFC}" type="datetimeFigureOut">
               <a:rPr lang="de-DE" smtClean="0"/>
-              <a:t>24.02.2017</a:t>
+              <a:t>21.08.2017</a:t>
             </a:fld>
             <a:endParaRPr lang="de-DE"/>
           </a:p>
@@ -408,7 +413,7 @@
           <a:p>
             <a:fld id="{CFB68537-6594-4A7A-B668-45554B77BAFC}" type="datetimeFigureOut">
               <a:rPr lang="de-DE" smtClean="0"/>
-              <a:t>24.02.2017</a:t>
+              <a:t>21.08.2017</a:t>
             </a:fld>
             <a:endParaRPr lang="de-DE"/>
           </a:p>
@@ -588,7 +593,7 @@
           <a:p>
             <a:fld id="{CFB68537-6594-4A7A-B668-45554B77BAFC}" type="datetimeFigureOut">
               <a:rPr lang="de-DE" smtClean="0"/>
-              <a:t>24.02.2017</a:t>
+              <a:t>21.08.2017</a:t>
             </a:fld>
             <a:endParaRPr lang="de-DE"/>
           </a:p>
@@ -758,7 +763,7 @@
           <a:p>
             <a:fld id="{CFB68537-6594-4A7A-B668-45554B77BAFC}" type="datetimeFigureOut">
               <a:rPr lang="de-DE" smtClean="0"/>
-              <a:t>24.02.2017</a:t>
+              <a:t>21.08.2017</a:t>
             </a:fld>
             <a:endParaRPr lang="de-DE"/>
           </a:p>
@@ -1004,7 +1009,7 @@
           <a:p>
             <a:fld id="{CFB68537-6594-4A7A-B668-45554B77BAFC}" type="datetimeFigureOut">
               <a:rPr lang="de-DE" smtClean="0"/>
-              <a:t>24.02.2017</a:t>
+              <a:t>21.08.2017</a:t>
             </a:fld>
             <a:endParaRPr lang="de-DE"/>
           </a:p>
@@ -1236,7 +1241,7 @@
           <a:p>
             <a:fld id="{CFB68537-6594-4A7A-B668-45554B77BAFC}" type="datetimeFigureOut">
               <a:rPr lang="de-DE" smtClean="0"/>
-              <a:t>24.02.2017</a:t>
+              <a:t>21.08.2017</a:t>
             </a:fld>
             <a:endParaRPr lang="de-DE"/>
           </a:p>
@@ -1603,7 +1608,7 @@
           <a:p>
             <a:fld id="{CFB68537-6594-4A7A-B668-45554B77BAFC}" type="datetimeFigureOut">
               <a:rPr lang="de-DE" smtClean="0"/>
-              <a:t>24.02.2017</a:t>
+              <a:t>21.08.2017</a:t>
             </a:fld>
             <a:endParaRPr lang="de-DE"/>
           </a:p>
@@ -1721,7 +1726,7 @@
           <a:p>
             <a:fld id="{CFB68537-6594-4A7A-B668-45554B77BAFC}" type="datetimeFigureOut">
               <a:rPr lang="de-DE" smtClean="0"/>
-              <a:t>24.02.2017</a:t>
+              <a:t>21.08.2017</a:t>
             </a:fld>
             <a:endParaRPr lang="de-DE"/>
           </a:p>
@@ -1816,7 +1821,7 @@
           <a:p>
             <a:fld id="{CFB68537-6594-4A7A-B668-45554B77BAFC}" type="datetimeFigureOut">
               <a:rPr lang="de-DE" smtClean="0"/>
-              <a:t>24.02.2017</a:t>
+              <a:t>21.08.2017</a:t>
             </a:fld>
             <a:endParaRPr lang="de-DE"/>
           </a:p>
@@ -2093,7 +2098,7 @@
           <a:p>
             <a:fld id="{CFB68537-6594-4A7A-B668-45554B77BAFC}" type="datetimeFigureOut">
               <a:rPr lang="de-DE" smtClean="0"/>
-              <a:t>24.02.2017</a:t>
+              <a:t>21.08.2017</a:t>
             </a:fld>
             <a:endParaRPr lang="de-DE"/>
           </a:p>
@@ -2346,7 +2351,7 @@
           <a:p>
             <a:fld id="{CFB68537-6594-4A7A-B668-45554B77BAFC}" type="datetimeFigureOut">
               <a:rPr lang="de-DE" smtClean="0"/>
-              <a:t>24.02.2017</a:t>
+              <a:t>21.08.2017</a:t>
             </a:fld>
             <a:endParaRPr lang="de-DE"/>
           </a:p>
@@ -2559,7 +2564,7 @@
           <a:p>
             <a:fld id="{CFB68537-6594-4A7A-B668-45554B77BAFC}" type="datetimeFigureOut">
               <a:rPr lang="de-DE" smtClean="0"/>
-              <a:t>24.02.2017</a:t>
+              <a:t>21.08.2017</a:t>
             </a:fld>
             <a:endParaRPr lang="de-DE"/>
           </a:p>
@@ -3164,8 +3169,8 @@
         </p:nvSpPr>
         <p:spPr>
           <a:xfrm>
-            <a:off x="5437785" y="3784878"/>
-            <a:ext cx="926027" cy="369332"/>
+            <a:off x="5386549" y="3784878"/>
+            <a:ext cx="1028500" cy="369332"/>
           </a:xfrm>
           <a:prstGeom prst="rect">
             <a:avLst/>
@@ -3180,7 +3185,7 @@
           <a:p>
             <a:r>
               <a:rPr lang="de-DE" dirty="0" smtClean="0"/>
-              <a:t>3D-Pint</a:t>
+              <a:t>3D-Point</a:t>
             </a:r>
             <a:endParaRPr lang="de-DE" dirty="0"/>
           </a:p>
